--- a/ppt 16-9/0821.恩友耶稣.pptx
+++ b/ppt 16-9/0821.恩友耶稣.pptx
@@ -5,7 +5,7 @@
     <p:sldMasterId id="2147483648" r:id="rId1"/>
   </p:sldMasterIdLst>
   <p:sldIdLst>
-    <p:sldId id="2099" r:id="rId2"/>
+    <p:sldId id="2101" r:id="rId2"/>
   </p:sldIdLst>
   <p:sldSz cx="12192000" cy="6858000"/>
   <p:notesSz cx="6858000" cy="9144000"/>
@@ -129,7 +129,7 @@
           <p:cNvPr id="2" name="标题 1">
             <a:extLst>
               <a:ext uri="{FF2B5EF4-FFF2-40B4-BE49-F238E27FC236}">
-                <a16:creationId xmlns:a16="http://schemas.microsoft.com/office/drawing/2014/main" id="{CF140B3D-7C8A-9CB4-CAE8-2405773399EF}"/>
+                <a16:creationId xmlns:a16="http://schemas.microsoft.com/office/drawing/2014/main" id="{C94B8930-51E3-3907-9C79-2DF050EF8669}"/>
               </a:ext>
             </a:extLst>
           </p:cNvPr>
@@ -166,7 +166,7 @@
           <p:cNvPr id="3" name="副标题 2">
             <a:extLst>
               <a:ext uri="{FF2B5EF4-FFF2-40B4-BE49-F238E27FC236}">
-                <a16:creationId xmlns:a16="http://schemas.microsoft.com/office/drawing/2014/main" id="{548FBBCB-0246-AC9A-B934-4FD8BA249D05}"/>
+                <a16:creationId xmlns:a16="http://schemas.microsoft.com/office/drawing/2014/main" id="{B20CD82D-37D6-8CAC-8F96-13996B3E6597}"/>
               </a:ext>
             </a:extLst>
           </p:cNvPr>
@@ -236,7 +236,7 @@
           <p:cNvPr id="4" name="日期占位符 3">
             <a:extLst>
               <a:ext uri="{FF2B5EF4-FFF2-40B4-BE49-F238E27FC236}">
-                <a16:creationId xmlns:a16="http://schemas.microsoft.com/office/drawing/2014/main" id="{CB0DC941-C2C7-7615-155B-46821EF8454A}"/>
+                <a16:creationId xmlns:a16="http://schemas.microsoft.com/office/drawing/2014/main" id="{723A5D4E-4C88-42EC-DB6F-5DFE4EADFBCB}"/>
               </a:ext>
             </a:extLst>
           </p:cNvPr>
@@ -252,7 +252,7 @@
           <a:bodyPr/>
           <a:lstStyle/>
           <a:p>
-            <a:fld id="{A18D354D-E21C-4BB9-AA01-2166C4560B2D}" type="datetimeFigureOut">
+            <a:fld id="{9C3D315E-592E-460F-B967-3B30098348ED}" type="datetimeFigureOut">
               <a:rPr lang="zh-CN" altLang="en-US" smtClean="0"/>
               <a:t>2024/3/10</a:t>
             </a:fld>
@@ -265,7 +265,7 @@
           <p:cNvPr id="5" name="页脚占位符 4">
             <a:extLst>
               <a:ext uri="{FF2B5EF4-FFF2-40B4-BE49-F238E27FC236}">
-                <a16:creationId xmlns:a16="http://schemas.microsoft.com/office/drawing/2014/main" id="{1A4ECE79-4EE5-5B27-17C6-A2FD8022C632}"/>
+                <a16:creationId xmlns:a16="http://schemas.microsoft.com/office/drawing/2014/main" id="{25DFB597-45ED-B7F7-E100-D29925DAA65B}"/>
               </a:ext>
             </a:extLst>
           </p:cNvPr>
@@ -290,7 +290,7 @@
           <p:cNvPr id="6" name="灯片编号占位符 5">
             <a:extLst>
               <a:ext uri="{FF2B5EF4-FFF2-40B4-BE49-F238E27FC236}">
-                <a16:creationId xmlns:a16="http://schemas.microsoft.com/office/drawing/2014/main" id="{F8EFD4C5-CF7B-55A4-DF7B-50AC73508C38}"/>
+                <a16:creationId xmlns:a16="http://schemas.microsoft.com/office/drawing/2014/main" id="{A01A202F-4558-E3C3-AF78-FC193A176205}"/>
               </a:ext>
             </a:extLst>
           </p:cNvPr>
@@ -306,7 +306,7 @@
           <a:bodyPr/>
           <a:lstStyle/>
           <a:p>
-            <a:fld id="{F5CD5A58-224D-424D-8A4A-7D246572A2B8}" type="slidenum">
+            <a:fld id="{EE755A64-356C-4832-8C71-D00108EF92BE}" type="slidenum">
               <a:rPr lang="zh-CN" altLang="en-US" smtClean="0"/>
               <a:t>‹#›</a:t>
             </a:fld>
@@ -317,7 +317,7 @@
     </p:spTree>
     <p:extLst>
       <p:ext uri="{BB962C8B-B14F-4D97-AF65-F5344CB8AC3E}">
-        <p14:creationId xmlns:p14="http://schemas.microsoft.com/office/powerpoint/2010/main" val="1859619325"/>
+        <p14:creationId xmlns:p14="http://schemas.microsoft.com/office/powerpoint/2010/main" val="4114706091"/>
       </p:ext>
     </p:extLst>
   </p:cSld>
@@ -349,7 +349,7 @@
           <p:cNvPr id="2" name="标题 1">
             <a:extLst>
               <a:ext uri="{FF2B5EF4-FFF2-40B4-BE49-F238E27FC236}">
-                <a16:creationId xmlns:a16="http://schemas.microsoft.com/office/drawing/2014/main" id="{6470747B-8153-F04A-FDC1-C3A772611B2B}"/>
+                <a16:creationId xmlns:a16="http://schemas.microsoft.com/office/drawing/2014/main" id="{052A8018-03C1-9128-087C-280583BBC356}"/>
               </a:ext>
             </a:extLst>
           </p:cNvPr>
@@ -377,7 +377,7 @@
           <p:cNvPr id="3" name="竖排文字占位符 2">
             <a:extLst>
               <a:ext uri="{FF2B5EF4-FFF2-40B4-BE49-F238E27FC236}">
-                <a16:creationId xmlns:a16="http://schemas.microsoft.com/office/drawing/2014/main" id="{BA1F3B2B-0C65-FA71-84DF-7FF5C9127C94}"/>
+                <a16:creationId xmlns:a16="http://schemas.microsoft.com/office/drawing/2014/main" id="{0493D2C8-AD63-562A-54FC-B2C80B4A85E5}"/>
               </a:ext>
             </a:extLst>
           </p:cNvPr>
@@ -434,7 +434,7 @@
           <p:cNvPr id="4" name="日期占位符 3">
             <a:extLst>
               <a:ext uri="{FF2B5EF4-FFF2-40B4-BE49-F238E27FC236}">
-                <a16:creationId xmlns:a16="http://schemas.microsoft.com/office/drawing/2014/main" id="{6EDA2E19-ECE1-E2E6-FE00-03E6851ED00D}"/>
+                <a16:creationId xmlns:a16="http://schemas.microsoft.com/office/drawing/2014/main" id="{813DF84B-A208-770E-773B-607452B79859}"/>
               </a:ext>
             </a:extLst>
           </p:cNvPr>
@@ -450,7 +450,7 @@
           <a:bodyPr/>
           <a:lstStyle/>
           <a:p>
-            <a:fld id="{A18D354D-E21C-4BB9-AA01-2166C4560B2D}" type="datetimeFigureOut">
+            <a:fld id="{9C3D315E-592E-460F-B967-3B30098348ED}" type="datetimeFigureOut">
               <a:rPr lang="zh-CN" altLang="en-US" smtClean="0"/>
               <a:t>2024/3/10</a:t>
             </a:fld>
@@ -463,7 +463,7 @@
           <p:cNvPr id="5" name="页脚占位符 4">
             <a:extLst>
               <a:ext uri="{FF2B5EF4-FFF2-40B4-BE49-F238E27FC236}">
-                <a16:creationId xmlns:a16="http://schemas.microsoft.com/office/drawing/2014/main" id="{A84DECCC-E6DD-620D-2165-78983F39FF24}"/>
+                <a16:creationId xmlns:a16="http://schemas.microsoft.com/office/drawing/2014/main" id="{7FD73AAC-FCDD-ED10-ABCE-0681E89EDBCA}"/>
               </a:ext>
             </a:extLst>
           </p:cNvPr>
@@ -488,7 +488,7 @@
           <p:cNvPr id="6" name="灯片编号占位符 5">
             <a:extLst>
               <a:ext uri="{FF2B5EF4-FFF2-40B4-BE49-F238E27FC236}">
-                <a16:creationId xmlns:a16="http://schemas.microsoft.com/office/drawing/2014/main" id="{ABBB29F7-ED0B-011A-BD2B-AC2105D1AD95}"/>
+                <a16:creationId xmlns:a16="http://schemas.microsoft.com/office/drawing/2014/main" id="{AA4591D3-A050-FAF9-162C-4A295C80869C}"/>
               </a:ext>
             </a:extLst>
           </p:cNvPr>
@@ -504,7 +504,7 @@
           <a:bodyPr/>
           <a:lstStyle/>
           <a:p>
-            <a:fld id="{F5CD5A58-224D-424D-8A4A-7D246572A2B8}" type="slidenum">
+            <a:fld id="{EE755A64-356C-4832-8C71-D00108EF92BE}" type="slidenum">
               <a:rPr lang="zh-CN" altLang="en-US" smtClean="0"/>
               <a:t>‹#›</a:t>
             </a:fld>
@@ -515,7 +515,7 @@
     </p:spTree>
     <p:extLst>
       <p:ext uri="{BB962C8B-B14F-4D97-AF65-F5344CB8AC3E}">
-        <p14:creationId xmlns:p14="http://schemas.microsoft.com/office/powerpoint/2010/main" val="3722668155"/>
+        <p14:creationId xmlns:p14="http://schemas.microsoft.com/office/powerpoint/2010/main" val="2354113830"/>
       </p:ext>
     </p:extLst>
   </p:cSld>
@@ -547,7 +547,7 @@
           <p:cNvPr id="2" name="竖排标题 1">
             <a:extLst>
               <a:ext uri="{FF2B5EF4-FFF2-40B4-BE49-F238E27FC236}">
-                <a16:creationId xmlns:a16="http://schemas.microsoft.com/office/drawing/2014/main" id="{7443484B-C522-2C82-E5DE-EBFCCEBC053F}"/>
+                <a16:creationId xmlns:a16="http://schemas.microsoft.com/office/drawing/2014/main" id="{48040057-4AB2-F833-52DF-9EC5BC50C507}"/>
               </a:ext>
             </a:extLst>
           </p:cNvPr>
@@ -580,7 +580,7 @@
           <p:cNvPr id="3" name="竖排文字占位符 2">
             <a:extLst>
               <a:ext uri="{FF2B5EF4-FFF2-40B4-BE49-F238E27FC236}">
-                <a16:creationId xmlns:a16="http://schemas.microsoft.com/office/drawing/2014/main" id="{602926B0-92D5-E3B3-E5D9-29F7FE9D66DC}"/>
+                <a16:creationId xmlns:a16="http://schemas.microsoft.com/office/drawing/2014/main" id="{EDC3A41B-1559-39C3-5B7E-5F74DDF6B650}"/>
               </a:ext>
             </a:extLst>
           </p:cNvPr>
@@ -642,7 +642,7 @@
           <p:cNvPr id="4" name="日期占位符 3">
             <a:extLst>
               <a:ext uri="{FF2B5EF4-FFF2-40B4-BE49-F238E27FC236}">
-                <a16:creationId xmlns:a16="http://schemas.microsoft.com/office/drawing/2014/main" id="{19935F81-7722-CB93-BA64-C840B02A5CF0}"/>
+                <a16:creationId xmlns:a16="http://schemas.microsoft.com/office/drawing/2014/main" id="{3CA0590C-3BDF-2749-33F9-EB0FBFAD69B6}"/>
               </a:ext>
             </a:extLst>
           </p:cNvPr>
@@ -658,7 +658,7 @@
           <a:bodyPr/>
           <a:lstStyle/>
           <a:p>
-            <a:fld id="{A18D354D-E21C-4BB9-AA01-2166C4560B2D}" type="datetimeFigureOut">
+            <a:fld id="{9C3D315E-592E-460F-B967-3B30098348ED}" type="datetimeFigureOut">
               <a:rPr lang="zh-CN" altLang="en-US" smtClean="0"/>
               <a:t>2024/3/10</a:t>
             </a:fld>
@@ -671,7 +671,7 @@
           <p:cNvPr id="5" name="页脚占位符 4">
             <a:extLst>
               <a:ext uri="{FF2B5EF4-FFF2-40B4-BE49-F238E27FC236}">
-                <a16:creationId xmlns:a16="http://schemas.microsoft.com/office/drawing/2014/main" id="{5D8408A8-5F18-49E1-CF5A-878B36DB7B42}"/>
+                <a16:creationId xmlns:a16="http://schemas.microsoft.com/office/drawing/2014/main" id="{A4BADEF9-D13A-3945-8075-9FA416D4AF38}"/>
               </a:ext>
             </a:extLst>
           </p:cNvPr>
@@ -696,7 +696,7 @@
           <p:cNvPr id="6" name="灯片编号占位符 5">
             <a:extLst>
               <a:ext uri="{FF2B5EF4-FFF2-40B4-BE49-F238E27FC236}">
-                <a16:creationId xmlns:a16="http://schemas.microsoft.com/office/drawing/2014/main" id="{A7996808-30C9-4D87-0654-BE955AD69A02}"/>
+                <a16:creationId xmlns:a16="http://schemas.microsoft.com/office/drawing/2014/main" id="{BC6849AB-6314-D461-E5D9-30B163AB8270}"/>
               </a:ext>
             </a:extLst>
           </p:cNvPr>
@@ -712,7 +712,7 @@
           <a:bodyPr/>
           <a:lstStyle/>
           <a:p>
-            <a:fld id="{F5CD5A58-224D-424D-8A4A-7D246572A2B8}" type="slidenum">
+            <a:fld id="{EE755A64-356C-4832-8C71-D00108EF92BE}" type="slidenum">
               <a:rPr lang="zh-CN" altLang="en-US" smtClean="0"/>
               <a:t>‹#›</a:t>
             </a:fld>
@@ -723,7 +723,7 @@
     </p:spTree>
     <p:extLst>
       <p:ext uri="{BB962C8B-B14F-4D97-AF65-F5344CB8AC3E}">
-        <p14:creationId xmlns:p14="http://schemas.microsoft.com/office/powerpoint/2010/main" val="3587820236"/>
+        <p14:creationId xmlns:p14="http://schemas.microsoft.com/office/powerpoint/2010/main" val="3927301528"/>
       </p:ext>
     </p:extLst>
   </p:cSld>
@@ -755,7 +755,7 @@
           <p:cNvPr id="2" name="标题 1">
             <a:extLst>
               <a:ext uri="{FF2B5EF4-FFF2-40B4-BE49-F238E27FC236}">
-                <a16:creationId xmlns:a16="http://schemas.microsoft.com/office/drawing/2014/main" id="{457545B3-AF63-E517-14E5-15181F7B9713}"/>
+                <a16:creationId xmlns:a16="http://schemas.microsoft.com/office/drawing/2014/main" id="{01653E1F-F7E9-23DA-3C27-63D6545C4442}"/>
               </a:ext>
             </a:extLst>
           </p:cNvPr>
@@ -783,7 +783,7 @@
           <p:cNvPr id="3" name="内容占位符 2">
             <a:extLst>
               <a:ext uri="{FF2B5EF4-FFF2-40B4-BE49-F238E27FC236}">
-                <a16:creationId xmlns:a16="http://schemas.microsoft.com/office/drawing/2014/main" id="{44D0B97D-3A7A-E4C0-2473-384C6AC404D6}"/>
+                <a16:creationId xmlns:a16="http://schemas.microsoft.com/office/drawing/2014/main" id="{93174C19-A1D9-3FA7-9199-C39836F65C3F}"/>
               </a:ext>
             </a:extLst>
           </p:cNvPr>
@@ -840,7 +840,7 @@
           <p:cNvPr id="4" name="日期占位符 3">
             <a:extLst>
               <a:ext uri="{FF2B5EF4-FFF2-40B4-BE49-F238E27FC236}">
-                <a16:creationId xmlns:a16="http://schemas.microsoft.com/office/drawing/2014/main" id="{2AEAD071-0CF8-745D-0890-9DBCF67954B6}"/>
+                <a16:creationId xmlns:a16="http://schemas.microsoft.com/office/drawing/2014/main" id="{5DBA18B9-C65F-D29C-CFD3-9DA1C69D79BD}"/>
               </a:ext>
             </a:extLst>
           </p:cNvPr>
@@ -856,7 +856,7 @@
           <a:bodyPr/>
           <a:lstStyle/>
           <a:p>
-            <a:fld id="{A18D354D-E21C-4BB9-AA01-2166C4560B2D}" type="datetimeFigureOut">
+            <a:fld id="{9C3D315E-592E-460F-B967-3B30098348ED}" type="datetimeFigureOut">
               <a:rPr lang="zh-CN" altLang="en-US" smtClean="0"/>
               <a:t>2024/3/10</a:t>
             </a:fld>
@@ -869,7 +869,7 @@
           <p:cNvPr id="5" name="页脚占位符 4">
             <a:extLst>
               <a:ext uri="{FF2B5EF4-FFF2-40B4-BE49-F238E27FC236}">
-                <a16:creationId xmlns:a16="http://schemas.microsoft.com/office/drawing/2014/main" id="{DC284A0F-57FC-4684-6E43-CAC5BFBEDC0A}"/>
+                <a16:creationId xmlns:a16="http://schemas.microsoft.com/office/drawing/2014/main" id="{C572C63C-1A14-AB7D-5B1E-291C4525690D}"/>
               </a:ext>
             </a:extLst>
           </p:cNvPr>
@@ -894,7 +894,7 @@
           <p:cNvPr id="6" name="灯片编号占位符 5">
             <a:extLst>
               <a:ext uri="{FF2B5EF4-FFF2-40B4-BE49-F238E27FC236}">
-                <a16:creationId xmlns:a16="http://schemas.microsoft.com/office/drawing/2014/main" id="{31DBBB9C-ACB4-1711-5F3F-DD86BF4AC15A}"/>
+                <a16:creationId xmlns:a16="http://schemas.microsoft.com/office/drawing/2014/main" id="{E803832B-BB9A-053A-85CC-33CEBB3DFF11}"/>
               </a:ext>
             </a:extLst>
           </p:cNvPr>
@@ -910,7 +910,7 @@
           <a:bodyPr/>
           <a:lstStyle/>
           <a:p>
-            <a:fld id="{F5CD5A58-224D-424D-8A4A-7D246572A2B8}" type="slidenum">
+            <a:fld id="{EE755A64-356C-4832-8C71-D00108EF92BE}" type="slidenum">
               <a:rPr lang="zh-CN" altLang="en-US" smtClean="0"/>
               <a:t>‹#›</a:t>
             </a:fld>
@@ -921,7 +921,7 @@
     </p:spTree>
     <p:extLst>
       <p:ext uri="{BB962C8B-B14F-4D97-AF65-F5344CB8AC3E}">
-        <p14:creationId xmlns:p14="http://schemas.microsoft.com/office/powerpoint/2010/main" val="1649607755"/>
+        <p14:creationId xmlns:p14="http://schemas.microsoft.com/office/powerpoint/2010/main" val="1708441373"/>
       </p:ext>
     </p:extLst>
   </p:cSld>
@@ -953,7 +953,7 @@
           <p:cNvPr id="2" name="标题 1">
             <a:extLst>
               <a:ext uri="{FF2B5EF4-FFF2-40B4-BE49-F238E27FC236}">
-                <a16:creationId xmlns:a16="http://schemas.microsoft.com/office/drawing/2014/main" id="{B7DB0B97-EA9C-0EB5-CADA-4980671A848E}"/>
+                <a16:creationId xmlns:a16="http://schemas.microsoft.com/office/drawing/2014/main" id="{7244C55D-50D9-32F6-0505-4201EE39014A}"/>
               </a:ext>
             </a:extLst>
           </p:cNvPr>
@@ -990,7 +990,7 @@
           <p:cNvPr id="3" name="文本占位符 2">
             <a:extLst>
               <a:ext uri="{FF2B5EF4-FFF2-40B4-BE49-F238E27FC236}">
-                <a16:creationId xmlns:a16="http://schemas.microsoft.com/office/drawing/2014/main" id="{BE04598E-88E6-4758-0D59-6076FFF8ECA8}"/>
+                <a16:creationId xmlns:a16="http://schemas.microsoft.com/office/drawing/2014/main" id="{33D94C36-D5C1-79C2-B787-72EFEF3BA4B1}"/>
               </a:ext>
             </a:extLst>
           </p:cNvPr>
@@ -1115,7 +1115,7 @@
           <p:cNvPr id="4" name="日期占位符 3">
             <a:extLst>
               <a:ext uri="{FF2B5EF4-FFF2-40B4-BE49-F238E27FC236}">
-                <a16:creationId xmlns:a16="http://schemas.microsoft.com/office/drawing/2014/main" id="{DA8D92D5-F9A2-64D2-2F30-F50F6B7BC057}"/>
+                <a16:creationId xmlns:a16="http://schemas.microsoft.com/office/drawing/2014/main" id="{33E5A839-140B-A63A-2894-3185353D0347}"/>
               </a:ext>
             </a:extLst>
           </p:cNvPr>
@@ -1131,7 +1131,7 @@
           <a:bodyPr/>
           <a:lstStyle/>
           <a:p>
-            <a:fld id="{A18D354D-E21C-4BB9-AA01-2166C4560B2D}" type="datetimeFigureOut">
+            <a:fld id="{9C3D315E-592E-460F-B967-3B30098348ED}" type="datetimeFigureOut">
               <a:rPr lang="zh-CN" altLang="en-US" smtClean="0"/>
               <a:t>2024/3/10</a:t>
             </a:fld>
@@ -1144,7 +1144,7 @@
           <p:cNvPr id="5" name="页脚占位符 4">
             <a:extLst>
               <a:ext uri="{FF2B5EF4-FFF2-40B4-BE49-F238E27FC236}">
-                <a16:creationId xmlns:a16="http://schemas.microsoft.com/office/drawing/2014/main" id="{A1C49292-4E6F-23CB-C441-DB59E906C1E1}"/>
+                <a16:creationId xmlns:a16="http://schemas.microsoft.com/office/drawing/2014/main" id="{0473D135-D34C-8F74-AB9D-4363CB816CA2}"/>
               </a:ext>
             </a:extLst>
           </p:cNvPr>
@@ -1169,7 +1169,7 @@
           <p:cNvPr id="6" name="灯片编号占位符 5">
             <a:extLst>
               <a:ext uri="{FF2B5EF4-FFF2-40B4-BE49-F238E27FC236}">
-                <a16:creationId xmlns:a16="http://schemas.microsoft.com/office/drawing/2014/main" id="{021B410A-4120-1553-195A-2B693A925728}"/>
+                <a16:creationId xmlns:a16="http://schemas.microsoft.com/office/drawing/2014/main" id="{5A4AE62F-4F91-C59D-EF79-258DC80AFDA3}"/>
               </a:ext>
             </a:extLst>
           </p:cNvPr>
@@ -1185,7 +1185,7 @@
           <a:bodyPr/>
           <a:lstStyle/>
           <a:p>
-            <a:fld id="{F5CD5A58-224D-424D-8A4A-7D246572A2B8}" type="slidenum">
+            <a:fld id="{EE755A64-356C-4832-8C71-D00108EF92BE}" type="slidenum">
               <a:rPr lang="zh-CN" altLang="en-US" smtClean="0"/>
               <a:t>‹#›</a:t>
             </a:fld>
@@ -1196,7 +1196,7 @@
     </p:spTree>
     <p:extLst>
       <p:ext uri="{BB962C8B-B14F-4D97-AF65-F5344CB8AC3E}">
-        <p14:creationId xmlns:p14="http://schemas.microsoft.com/office/powerpoint/2010/main" val="2355998452"/>
+        <p14:creationId xmlns:p14="http://schemas.microsoft.com/office/powerpoint/2010/main" val="1051104261"/>
       </p:ext>
     </p:extLst>
   </p:cSld>
@@ -1228,7 +1228,7 @@
           <p:cNvPr id="2" name="标题 1">
             <a:extLst>
               <a:ext uri="{FF2B5EF4-FFF2-40B4-BE49-F238E27FC236}">
-                <a16:creationId xmlns:a16="http://schemas.microsoft.com/office/drawing/2014/main" id="{9E62FC33-952C-8249-9FEE-69CA9DD4D197}"/>
+                <a16:creationId xmlns:a16="http://schemas.microsoft.com/office/drawing/2014/main" id="{7AEDAF3E-F821-7D50-C940-640E2BD99DFF}"/>
               </a:ext>
             </a:extLst>
           </p:cNvPr>
@@ -1256,7 +1256,7 @@
           <p:cNvPr id="3" name="内容占位符 2">
             <a:extLst>
               <a:ext uri="{FF2B5EF4-FFF2-40B4-BE49-F238E27FC236}">
-                <a16:creationId xmlns:a16="http://schemas.microsoft.com/office/drawing/2014/main" id="{352A4065-7B0E-6718-E074-B12707331CCC}"/>
+                <a16:creationId xmlns:a16="http://schemas.microsoft.com/office/drawing/2014/main" id="{3671E5F3-38AA-B1FB-64E9-521132FBC8A5}"/>
               </a:ext>
             </a:extLst>
           </p:cNvPr>
@@ -1318,7 +1318,7 @@
           <p:cNvPr id="4" name="内容占位符 3">
             <a:extLst>
               <a:ext uri="{FF2B5EF4-FFF2-40B4-BE49-F238E27FC236}">
-                <a16:creationId xmlns:a16="http://schemas.microsoft.com/office/drawing/2014/main" id="{B344E9D3-4A44-46E9-4FA8-568615CFDD00}"/>
+                <a16:creationId xmlns:a16="http://schemas.microsoft.com/office/drawing/2014/main" id="{6B895E18-88D4-AC57-C268-0A005B905EA1}"/>
               </a:ext>
             </a:extLst>
           </p:cNvPr>
@@ -1380,7 +1380,7 @@
           <p:cNvPr id="5" name="日期占位符 4">
             <a:extLst>
               <a:ext uri="{FF2B5EF4-FFF2-40B4-BE49-F238E27FC236}">
-                <a16:creationId xmlns:a16="http://schemas.microsoft.com/office/drawing/2014/main" id="{DA1D2DBA-7930-985A-3132-318FB9A33D82}"/>
+                <a16:creationId xmlns:a16="http://schemas.microsoft.com/office/drawing/2014/main" id="{7DD4CCAC-30C4-C907-2686-1B2A684DDC96}"/>
               </a:ext>
             </a:extLst>
           </p:cNvPr>
@@ -1396,7 +1396,7 @@
           <a:bodyPr/>
           <a:lstStyle/>
           <a:p>
-            <a:fld id="{A18D354D-E21C-4BB9-AA01-2166C4560B2D}" type="datetimeFigureOut">
+            <a:fld id="{9C3D315E-592E-460F-B967-3B30098348ED}" type="datetimeFigureOut">
               <a:rPr lang="zh-CN" altLang="en-US" smtClean="0"/>
               <a:t>2024/3/10</a:t>
             </a:fld>
@@ -1409,7 +1409,7 @@
           <p:cNvPr id="6" name="页脚占位符 5">
             <a:extLst>
               <a:ext uri="{FF2B5EF4-FFF2-40B4-BE49-F238E27FC236}">
-                <a16:creationId xmlns:a16="http://schemas.microsoft.com/office/drawing/2014/main" id="{684C2C13-2FFF-92D7-BEFE-2C4DAE9689B2}"/>
+                <a16:creationId xmlns:a16="http://schemas.microsoft.com/office/drawing/2014/main" id="{EEC78995-AF72-CECB-E2F6-0EDEA99BFB70}"/>
               </a:ext>
             </a:extLst>
           </p:cNvPr>
@@ -1434,7 +1434,7 @@
           <p:cNvPr id="7" name="灯片编号占位符 6">
             <a:extLst>
               <a:ext uri="{FF2B5EF4-FFF2-40B4-BE49-F238E27FC236}">
-                <a16:creationId xmlns:a16="http://schemas.microsoft.com/office/drawing/2014/main" id="{B7BBF33E-0241-06C0-F816-86F29B79DFCF}"/>
+                <a16:creationId xmlns:a16="http://schemas.microsoft.com/office/drawing/2014/main" id="{BFBAE574-AC0A-AACF-71F0-E2400F3D9548}"/>
               </a:ext>
             </a:extLst>
           </p:cNvPr>
@@ -1450,7 +1450,7 @@
           <a:bodyPr/>
           <a:lstStyle/>
           <a:p>
-            <a:fld id="{F5CD5A58-224D-424D-8A4A-7D246572A2B8}" type="slidenum">
+            <a:fld id="{EE755A64-356C-4832-8C71-D00108EF92BE}" type="slidenum">
               <a:rPr lang="zh-CN" altLang="en-US" smtClean="0"/>
               <a:t>‹#›</a:t>
             </a:fld>
@@ -1461,7 +1461,7 @@
     </p:spTree>
     <p:extLst>
       <p:ext uri="{BB962C8B-B14F-4D97-AF65-F5344CB8AC3E}">
-        <p14:creationId xmlns:p14="http://schemas.microsoft.com/office/powerpoint/2010/main" val="1938785372"/>
+        <p14:creationId xmlns:p14="http://schemas.microsoft.com/office/powerpoint/2010/main" val="3827471060"/>
       </p:ext>
     </p:extLst>
   </p:cSld>
@@ -1493,7 +1493,7 @@
           <p:cNvPr id="2" name="标题 1">
             <a:extLst>
               <a:ext uri="{FF2B5EF4-FFF2-40B4-BE49-F238E27FC236}">
-                <a16:creationId xmlns:a16="http://schemas.microsoft.com/office/drawing/2014/main" id="{CCF62532-2B2C-A85C-F910-5425EDCCAABB}"/>
+                <a16:creationId xmlns:a16="http://schemas.microsoft.com/office/drawing/2014/main" id="{CA1A1CE9-764D-82D6-7F36-C79503C3A9CD}"/>
               </a:ext>
             </a:extLst>
           </p:cNvPr>
@@ -1526,7 +1526,7 @@
           <p:cNvPr id="3" name="文本占位符 2">
             <a:extLst>
               <a:ext uri="{FF2B5EF4-FFF2-40B4-BE49-F238E27FC236}">
-                <a16:creationId xmlns:a16="http://schemas.microsoft.com/office/drawing/2014/main" id="{1A61305D-53A0-A35E-A2AC-E99694F38BA3}"/>
+                <a16:creationId xmlns:a16="http://schemas.microsoft.com/office/drawing/2014/main" id="{74781ECB-FB54-8A6D-F94E-62A4D6D29AF3}"/>
               </a:ext>
             </a:extLst>
           </p:cNvPr>
@@ -1597,7 +1597,7 @@
           <p:cNvPr id="4" name="内容占位符 3">
             <a:extLst>
               <a:ext uri="{FF2B5EF4-FFF2-40B4-BE49-F238E27FC236}">
-                <a16:creationId xmlns:a16="http://schemas.microsoft.com/office/drawing/2014/main" id="{0C32E162-B22B-374A-7645-D3C68FAB62EE}"/>
+                <a16:creationId xmlns:a16="http://schemas.microsoft.com/office/drawing/2014/main" id="{E74AB759-A761-8C8B-633B-C1AC3C66FA63}"/>
               </a:ext>
             </a:extLst>
           </p:cNvPr>
@@ -1659,7 +1659,7 @@
           <p:cNvPr id="5" name="文本占位符 4">
             <a:extLst>
               <a:ext uri="{FF2B5EF4-FFF2-40B4-BE49-F238E27FC236}">
-                <a16:creationId xmlns:a16="http://schemas.microsoft.com/office/drawing/2014/main" id="{35EC1113-F9D2-31E6-391E-95B200AF7F5A}"/>
+                <a16:creationId xmlns:a16="http://schemas.microsoft.com/office/drawing/2014/main" id="{FCAEDBF6-8485-CD73-A67A-585DD6F2E248}"/>
               </a:ext>
             </a:extLst>
           </p:cNvPr>
@@ -1730,7 +1730,7 @@
           <p:cNvPr id="6" name="内容占位符 5">
             <a:extLst>
               <a:ext uri="{FF2B5EF4-FFF2-40B4-BE49-F238E27FC236}">
-                <a16:creationId xmlns:a16="http://schemas.microsoft.com/office/drawing/2014/main" id="{925D51E3-990F-D961-37F7-11BFB2D102C6}"/>
+                <a16:creationId xmlns:a16="http://schemas.microsoft.com/office/drawing/2014/main" id="{DC9E3F0D-DC78-5F31-5EC2-CBA3308029A2}"/>
               </a:ext>
             </a:extLst>
           </p:cNvPr>
@@ -1792,7 +1792,7 @@
           <p:cNvPr id="7" name="日期占位符 6">
             <a:extLst>
               <a:ext uri="{FF2B5EF4-FFF2-40B4-BE49-F238E27FC236}">
-                <a16:creationId xmlns:a16="http://schemas.microsoft.com/office/drawing/2014/main" id="{73CF4B10-E18A-FF43-2688-B964FF4F3233}"/>
+                <a16:creationId xmlns:a16="http://schemas.microsoft.com/office/drawing/2014/main" id="{FD779283-503D-CBE2-9B3A-B172609638C1}"/>
               </a:ext>
             </a:extLst>
           </p:cNvPr>
@@ -1808,7 +1808,7 @@
           <a:bodyPr/>
           <a:lstStyle/>
           <a:p>
-            <a:fld id="{A18D354D-E21C-4BB9-AA01-2166C4560B2D}" type="datetimeFigureOut">
+            <a:fld id="{9C3D315E-592E-460F-B967-3B30098348ED}" type="datetimeFigureOut">
               <a:rPr lang="zh-CN" altLang="en-US" smtClean="0"/>
               <a:t>2024/3/10</a:t>
             </a:fld>
@@ -1821,7 +1821,7 @@
           <p:cNvPr id="8" name="页脚占位符 7">
             <a:extLst>
               <a:ext uri="{FF2B5EF4-FFF2-40B4-BE49-F238E27FC236}">
-                <a16:creationId xmlns:a16="http://schemas.microsoft.com/office/drawing/2014/main" id="{E2D09E29-BD12-B981-317F-98D21211F52A}"/>
+                <a16:creationId xmlns:a16="http://schemas.microsoft.com/office/drawing/2014/main" id="{FFBC9DA9-16EF-B462-B64E-DCD90692C937}"/>
               </a:ext>
             </a:extLst>
           </p:cNvPr>
@@ -1846,7 +1846,7 @@
           <p:cNvPr id="9" name="灯片编号占位符 8">
             <a:extLst>
               <a:ext uri="{FF2B5EF4-FFF2-40B4-BE49-F238E27FC236}">
-                <a16:creationId xmlns:a16="http://schemas.microsoft.com/office/drawing/2014/main" id="{8F122755-20A1-FBC7-9EA2-0CB30EADBC8C}"/>
+                <a16:creationId xmlns:a16="http://schemas.microsoft.com/office/drawing/2014/main" id="{AC7D943D-02CF-AD12-523D-31CBD02D7313}"/>
               </a:ext>
             </a:extLst>
           </p:cNvPr>
@@ -1862,7 +1862,7 @@
           <a:bodyPr/>
           <a:lstStyle/>
           <a:p>
-            <a:fld id="{F5CD5A58-224D-424D-8A4A-7D246572A2B8}" type="slidenum">
+            <a:fld id="{EE755A64-356C-4832-8C71-D00108EF92BE}" type="slidenum">
               <a:rPr lang="zh-CN" altLang="en-US" smtClean="0"/>
               <a:t>‹#›</a:t>
             </a:fld>
@@ -1873,7 +1873,7 @@
     </p:spTree>
     <p:extLst>
       <p:ext uri="{BB962C8B-B14F-4D97-AF65-F5344CB8AC3E}">
-        <p14:creationId xmlns:p14="http://schemas.microsoft.com/office/powerpoint/2010/main" val="3745352463"/>
+        <p14:creationId xmlns:p14="http://schemas.microsoft.com/office/powerpoint/2010/main" val="1342208712"/>
       </p:ext>
     </p:extLst>
   </p:cSld>
@@ -1905,7 +1905,7 @@
           <p:cNvPr id="2" name="标题 1">
             <a:extLst>
               <a:ext uri="{FF2B5EF4-FFF2-40B4-BE49-F238E27FC236}">
-                <a16:creationId xmlns:a16="http://schemas.microsoft.com/office/drawing/2014/main" id="{D2EF8A73-26FE-4DCE-D076-D33AF4B51957}"/>
+                <a16:creationId xmlns:a16="http://schemas.microsoft.com/office/drawing/2014/main" id="{6FDE05CB-C090-0CE9-C9D7-B17B6B281711}"/>
               </a:ext>
             </a:extLst>
           </p:cNvPr>
@@ -1933,7 +1933,7 @@
           <p:cNvPr id="3" name="日期占位符 2">
             <a:extLst>
               <a:ext uri="{FF2B5EF4-FFF2-40B4-BE49-F238E27FC236}">
-                <a16:creationId xmlns:a16="http://schemas.microsoft.com/office/drawing/2014/main" id="{1DB752D2-E629-E93F-970C-68CC9EB7988E}"/>
+                <a16:creationId xmlns:a16="http://schemas.microsoft.com/office/drawing/2014/main" id="{C61D7C8A-5BE7-8A5E-64E0-8788186BE571}"/>
               </a:ext>
             </a:extLst>
           </p:cNvPr>
@@ -1949,7 +1949,7 @@
           <a:bodyPr/>
           <a:lstStyle/>
           <a:p>
-            <a:fld id="{A18D354D-E21C-4BB9-AA01-2166C4560B2D}" type="datetimeFigureOut">
+            <a:fld id="{9C3D315E-592E-460F-B967-3B30098348ED}" type="datetimeFigureOut">
               <a:rPr lang="zh-CN" altLang="en-US" smtClean="0"/>
               <a:t>2024/3/10</a:t>
             </a:fld>
@@ -1962,7 +1962,7 @@
           <p:cNvPr id="4" name="页脚占位符 3">
             <a:extLst>
               <a:ext uri="{FF2B5EF4-FFF2-40B4-BE49-F238E27FC236}">
-                <a16:creationId xmlns:a16="http://schemas.microsoft.com/office/drawing/2014/main" id="{1598F7BA-27C3-13EE-F91A-7C458BF89AB7}"/>
+                <a16:creationId xmlns:a16="http://schemas.microsoft.com/office/drawing/2014/main" id="{2E2C0B79-B0FE-EAA6-1973-ED9B7AF76D6D}"/>
               </a:ext>
             </a:extLst>
           </p:cNvPr>
@@ -1987,7 +1987,7 @@
           <p:cNvPr id="5" name="灯片编号占位符 4">
             <a:extLst>
               <a:ext uri="{FF2B5EF4-FFF2-40B4-BE49-F238E27FC236}">
-                <a16:creationId xmlns:a16="http://schemas.microsoft.com/office/drawing/2014/main" id="{AB2E2072-DD07-F439-737C-FF546BC04DC9}"/>
+                <a16:creationId xmlns:a16="http://schemas.microsoft.com/office/drawing/2014/main" id="{4904BA37-16DB-15F4-BEF0-DE7D18643570}"/>
               </a:ext>
             </a:extLst>
           </p:cNvPr>
@@ -2003,7 +2003,7 @@
           <a:bodyPr/>
           <a:lstStyle/>
           <a:p>
-            <a:fld id="{F5CD5A58-224D-424D-8A4A-7D246572A2B8}" type="slidenum">
+            <a:fld id="{EE755A64-356C-4832-8C71-D00108EF92BE}" type="slidenum">
               <a:rPr lang="zh-CN" altLang="en-US" smtClean="0"/>
               <a:t>‹#›</a:t>
             </a:fld>
@@ -2014,7 +2014,7 @@
     </p:spTree>
     <p:extLst>
       <p:ext uri="{BB962C8B-B14F-4D97-AF65-F5344CB8AC3E}">
-        <p14:creationId xmlns:p14="http://schemas.microsoft.com/office/powerpoint/2010/main" val="3278523667"/>
+        <p14:creationId xmlns:p14="http://schemas.microsoft.com/office/powerpoint/2010/main" val="1718777421"/>
       </p:ext>
     </p:extLst>
   </p:cSld>
@@ -2046,7 +2046,7 @@
           <p:cNvPr id="2" name="日期占位符 1">
             <a:extLst>
               <a:ext uri="{FF2B5EF4-FFF2-40B4-BE49-F238E27FC236}">
-                <a16:creationId xmlns:a16="http://schemas.microsoft.com/office/drawing/2014/main" id="{A68556EF-9506-A472-02D7-3CB2DB1CD1EC}"/>
+                <a16:creationId xmlns:a16="http://schemas.microsoft.com/office/drawing/2014/main" id="{3EB4B90C-4AD0-F6F6-5AC5-368F873E3409}"/>
               </a:ext>
             </a:extLst>
           </p:cNvPr>
@@ -2062,7 +2062,7 @@
           <a:bodyPr/>
           <a:lstStyle/>
           <a:p>
-            <a:fld id="{A18D354D-E21C-4BB9-AA01-2166C4560B2D}" type="datetimeFigureOut">
+            <a:fld id="{9C3D315E-592E-460F-B967-3B30098348ED}" type="datetimeFigureOut">
               <a:rPr lang="zh-CN" altLang="en-US" smtClean="0"/>
               <a:t>2024/3/10</a:t>
             </a:fld>
@@ -2075,7 +2075,7 @@
           <p:cNvPr id="3" name="页脚占位符 2">
             <a:extLst>
               <a:ext uri="{FF2B5EF4-FFF2-40B4-BE49-F238E27FC236}">
-                <a16:creationId xmlns:a16="http://schemas.microsoft.com/office/drawing/2014/main" id="{D96FA554-0562-09A6-B857-C93C3A1CC9B8}"/>
+                <a16:creationId xmlns:a16="http://schemas.microsoft.com/office/drawing/2014/main" id="{48800C76-5EDB-493A-1630-717BF103A6FA}"/>
               </a:ext>
             </a:extLst>
           </p:cNvPr>
@@ -2100,7 +2100,7 @@
           <p:cNvPr id="4" name="灯片编号占位符 3">
             <a:extLst>
               <a:ext uri="{FF2B5EF4-FFF2-40B4-BE49-F238E27FC236}">
-                <a16:creationId xmlns:a16="http://schemas.microsoft.com/office/drawing/2014/main" id="{67B08714-B89C-F5A2-21E7-923ECEDB52BD}"/>
+                <a16:creationId xmlns:a16="http://schemas.microsoft.com/office/drawing/2014/main" id="{49A93BF7-9171-7C63-5E40-FDFB620E5BC5}"/>
               </a:ext>
             </a:extLst>
           </p:cNvPr>
@@ -2116,7 +2116,7 @@
           <a:bodyPr/>
           <a:lstStyle/>
           <a:p>
-            <a:fld id="{F5CD5A58-224D-424D-8A4A-7D246572A2B8}" type="slidenum">
+            <a:fld id="{EE755A64-356C-4832-8C71-D00108EF92BE}" type="slidenum">
               <a:rPr lang="zh-CN" altLang="en-US" smtClean="0"/>
               <a:t>‹#›</a:t>
             </a:fld>
@@ -2127,7 +2127,7 @@
     </p:spTree>
     <p:extLst>
       <p:ext uri="{BB962C8B-B14F-4D97-AF65-F5344CB8AC3E}">
-        <p14:creationId xmlns:p14="http://schemas.microsoft.com/office/powerpoint/2010/main" val="447004484"/>
+        <p14:creationId xmlns:p14="http://schemas.microsoft.com/office/powerpoint/2010/main" val="2710272307"/>
       </p:ext>
     </p:extLst>
   </p:cSld>
@@ -2159,7 +2159,7 @@
           <p:cNvPr id="2" name="标题 1">
             <a:extLst>
               <a:ext uri="{FF2B5EF4-FFF2-40B4-BE49-F238E27FC236}">
-                <a16:creationId xmlns:a16="http://schemas.microsoft.com/office/drawing/2014/main" id="{727F4418-9729-584D-C9E8-BAD733EC6257}"/>
+                <a16:creationId xmlns:a16="http://schemas.microsoft.com/office/drawing/2014/main" id="{6C71F6FE-6F0D-377A-6201-F880FCF2E467}"/>
               </a:ext>
             </a:extLst>
           </p:cNvPr>
@@ -2196,7 +2196,7 @@
           <p:cNvPr id="3" name="内容占位符 2">
             <a:extLst>
               <a:ext uri="{FF2B5EF4-FFF2-40B4-BE49-F238E27FC236}">
-                <a16:creationId xmlns:a16="http://schemas.microsoft.com/office/drawing/2014/main" id="{B5F71D3D-0D8B-F650-080E-CA3D39A1418E}"/>
+                <a16:creationId xmlns:a16="http://schemas.microsoft.com/office/drawing/2014/main" id="{7D47EBFA-E073-6F89-7091-334392DDA670}"/>
               </a:ext>
             </a:extLst>
           </p:cNvPr>
@@ -2286,7 +2286,7 @@
           <p:cNvPr id="4" name="文本占位符 3">
             <a:extLst>
               <a:ext uri="{FF2B5EF4-FFF2-40B4-BE49-F238E27FC236}">
-                <a16:creationId xmlns:a16="http://schemas.microsoft.com/office/drawing/2014/main" id="{FFF8300F-9EA2-6083-0D68-8B801543C126}"/>
+                <a16:creationId xmlns:a16="http://schemas.microsoft.com/office/drawing/2014/main" id="{EC2FE835-D115-B33B-B133-A7320E73D0B2}"/>
               </a:ext>
             </a:extLst>
           </p:cNvPr>
@@ -2357,7 +2357,7 @@
           <p:cNvPr id="5" name="日期占位符 4">
             <a:extLst>
               <a:ext uri="{FF2B5EF4-FFF2-40B4-BE49-F238E27FC236}">
-                <a16:creationId xmlns:a16="http://schemas.microsoft.com/office/drawing/2014/main" id="{1DF912CC-C5E8-D6DC-98EE-26BA17E4A54F}"/>
+                <a16:creationId xmlns:a16="http://schemas.microsoft.com/office/drawing/2014/main" id="{41CFAA40-610E-0EC3-268A-33D38FEE05A3}"/>
               </a:ext>
             </a:extLst>
           </p:cNvPr>
@@ -2373,7 +2373,7 @@
           <a:bodyPr/>
           <a:lstStyle/>
           <a:p>
-            <a:fld id="{A18D354D-E21C-4BB9-AA01-2166C4560B2D}" type="datetimeFigureOut">
+            <a:fld id="{9C3D315E-592E-460F-B967-3B30098348ED}" type="datetimeFigureOut">
               <a:rPr lang="zh-CN" altLang="en-US" smtClean="0"/>
               <a:t>2024/3/10</a:t>
             </a:fld>
@@ -2386,7 +2386,7 @@
           <p:cNvPr id="6" name="页脚占位符 5">
             <a:extLst>
               <a:ext uri="{FF2B5EF4-FFF2-40B4-BE49-F238E27FC236}">
-                <a16:creationId xmlns:a16="http://schemas.microsoft.com/office/drawing/2014/main" id="{96ED4FCB-CD02-B34F-F2FE-22EEFDBDA1E3}"/>
+                <a16:creationId xmlns:a16="http://schemas.microsoft.com/office/drawing/2014/main" id="{9036D3F0-4129-A1C8-3D67-4FDE9D31DEDA}"/>
               </a:ext>
             </a:extLst>
           </p:cNvPr>
@@ -2411,7 +2411,7 @@
           <p:cNvPr id="7" name="灯片编号占位符 6">
             <a:extLst>
               <a:ext uri="{FF2B5EF4-FFF2-40B4-BE49-F238E27FC236}">
-                <a16:creationId xmlns:a16="http://schemas.microsoft.com/office/drawing/2014/main" id="{EE92F646-2A61-7CFF-714E-15F2391B424C}"/>
+                <a16:creationId xmlns:a16="http://schemas.microsoft.com/office/drawing/2014/main" id="{418888B7-C80F-E057-DAA9-5B73BE419112}"/>
               </a:ext>
             </a:extLst>
           </p:cNvPr>
@@ -2427,7 +2427,7 @@
           <a:bodyPr/>
           <a:lstStyle/>
           <a:p>
-            <a:fld id="{F5CD5A58-224D-424D-8A4A-7D246572A2B8}" type="slidenum">
+            <a:fld id="{EE755A64-356C-4832-8C71-D00108EF92BE}" type="slidenum">
               <a:rPr lang="zh-CN" altLang="en-US" smtClean="0"/>
               <a:t>‹#›</a:t>
             </a:fld>
@@ -2438,7 +2438,7 @@
     </p:spTree>
     <p:extLst>
       <p:ext uri="{BB962C8B-B14F-4D97-AF65-F5344CB8AC3E}">
-        <p14:creationId xmlns:p14="http://schemas.microsoft.com/office/powerpoint/2010/main" val="3248100125"/>
+        <p14:creationId xmlns:p14="http://schemas.microsoft.com/office/powerpoint/2010/main" val="3517944877"/>
       </p:ext>
     </p:extLst>
   </p:cSld>
@@ -2470,7 +2470,7 @@
           <p:cNvPr id="2" name="标题 1">
             <a:extLst>
               <a:ext uri="{FF2B5EF4-FFF2-40B4-BE49-F238E27FC236}">
-                <a16:creationId xmlns:a16="http://schemas.microsoft.com/office/drawing/2014/main" id="{E04C4F64-88AA-AFB4-8BB9-E7381E565671}"/>
+                <a16:creationId xmlns:a16="http://schemas.microsoft.com/office/drawing/2014/main" id="{4A25F180-FFB2-7ED5-4C4D-220C23ADE89E}"/>
               </a:ext>
             </a:extLst>
           </p:cNvPr>
@@ -2507,7 +2507,7 @@
           <p:cNvPr id="3" name="图片占位符 2">
             <a:extLst>
               <a:ext uri="{FF2B5EF4-FFF2-40B4-BE49-F238E27FC236}">
-                <a16:creationId xmlns:a16="http://schemas.microsoft.com/office/drawing/2014/main" id="{41BE7A9C-C2AF-2D91-2A9C-2F2E2955B483}"/>
+                <a16:creationId xmlns:a16="http://schemas.microsoft.com/office/drawing/2014/main" id="{FC59C8D4-43EA-7DD7-98FE-CE5E89C2D4C2}"/>
               </a:ext>
             </a:extLst>
           </p:cNvPr>
@@ -2574,7 +2574,7 @@
           <p:cNvPr id="4" name="文本占位符 3">
             <a:extLst>
               <a:ext uri="{FF2B5EF4-FFF2-40B4-BE49-F238E27FC236}">
-                <a16:creationId xmlns:a16="http://schemas.microsoft.com/office/drawing/2014/main" id="{409B6550-139E-C5A9-9193-E3A15D6C4AD3}"/>
+                <a16:creationId xmlns:a16="http://schemas.microsoft.com/office/drawing/2014/main" id="{EACB762B-80F3-A44D-4C1F-99260E49FB10}"/>
               </a:ext>
             </a:extLst>
           </p:cNvPr>
@@ -2645,7 +2645,7 @@
           <p:cNvPr id="5" name="日期占位符 4">
             <a:extLst>
               <a:ext uri="{FF2B5EF4-FFF2-40B4-BE49-F238E27FC236}">
-                <a16:creationId xmlns:a16="http://schemas.microsoft.com/office/drawing/2014/main" id="{AE166270-D7D5-1088-1A78-2C991E245CA9}"/>
+                <a16:creationId xmlns:a16="http://schemas.microsoft.com/office/drawing/2014/main" id="{03FEFE18-7E83-C092-A765-33C070DC4E8D}"/>
               </a:ext>
             </a:extLst>
           </p:cNvPr>
@@ -2661,7 +2661,7 @@
           <a:bodyPr/>
           <a:lstStyle/>
           <a:p>
-            <a:fld id="{A18D354D-E21C-4BB9-AA01-2166C4560B2D}" type="datetimeFigureOut">
+            <a:fld id="{9C3D315E-592E-460F-B967-3B30098348ED}" type="datetimeFigureOut">
               <a:rPr lang="zh-CN" altLang="en-US" smtClean="0"/>
               <a:t>2024/3/10</a:t>
             </a:fld>
@@ -2674,7 +2674,7 @@
           <p:cNvPr id="6" name="页脚占位符 5">
             <a:extLst>
               <a:ext uri="{FF2B5EF4-FFF2-40B4-BE49-F238E27FC236}">
-                <a16:creationId xmlns:a16="http://schemas.microsoft.com/office/drawing/2014/main" id="{3554999C-844B-C53A-35A9-91B881F75ACC}"/>
+                <a16:creationId xmlns:a16="http://schemas.microsoft.com/office/drawing/2014/main" id="{3B8E206E-7A14-1579-80CE-A4819ADBC8C1}"/>
               </a:ext>
             </a:extLst>
           </p:cNvPr>
@@ -2699,7 +2699,7 @@
           <p:cNvPr id="7" name="灯片编号占位符 6">
             <a:extLst>
               <a:ext uri="{FF2B5EF4-FFF2-40B4-BE49-F238E27FC236}">
-                <a16:creationId xmlns:a16="http://schemas.microsoft.com/office/drawing/2014/main" id="{094D1DEB-AABE-E1CA-F8F4-B67DF9F2CE9D}"/>
+                <a16:creationId xmlns:a16="http://schemas.microsoft.com/office/drawing/2014/main" id="{42E6BE84-CF6A-1054-BC0B-0B998E3F0D81}"/>
               </a:ext>
             </a:extLst>
           </p:cNvPr>
@@ -2715,7 +2715,7 @@
           <a:bodyPr/>
           <a:lstStyle/>
           <a:p>
-            <a:fld id="{F5CD5A58-224D-424D-8A4A-7D246572A2B8}" type="slidenum">
+            <a:fld id="{EE755A64-356C-4832-8C71-D00108EF92BE}" type="slidenum">
               <a:rPr lang="zh-CN" altLang="en-US" smtClean="0"/>
               <a:t>‹#›</a:t>
             </a:fld>
@@ -2726,7 +2726,7 @@
     </p:spTree>
     <p:extLst>
       <p:ext uri="{BB962C8B-B14F-4D97-AF65-F5344CB8AC3E}">
-        <p14:creationId xmlns:p14="http://schemas.microsoft.com/office/powerpoint/2010/main" val="108958272"/>
+        <p14:creationId xmlns:p14="http://schemas.microsoft.com/office/powerpoint/2010/main" val="1315841560"/>
       </p:ext>
     </p:extLst>
   </p:cSld>
@@ -2763,7 +2763,7 @@
           <p:cNvPr id="2" name="标题占位符 1">
             <a:extLst>
               <a:ext uri="{FF2B5EF4-FFF2-40B4-BE49-F238E27FC236}">
-                <a16:creationId xmlns:a16="http://schemas.microsoft.com/office/drawing/2014/main" id="{B2B5EC1D-AD97-D49D-D049-46D6457ECA03}"/>
+                <a16:creationId xmlns:a16="http://schemas.microsoft.com/office/drawing/2014/main" id="{7A6C7BE5-A209-7700-36C8-C6435EC535DC}"/>
               </a:ext>
             </a:extLst>
           </p:cNvPr>
@@ -2801,7 +2801,7 @@
           <p:cNvPr id="3" name="文本占位符 2">
             <a:extLst>
               <a:ext uri="{FF2B5EF4-FFF2-40B4-BE49-F238E27FC236}">
-                <a16:creationId xmlns:a16="http://schemas.microsoft.com/office/drawing/2014/main" id="{0430E2EB-13F1-57CD-56B9-F450E322A454}"/>
+                <a16:creationId xmlns:a16="http://schemas.microsoft.com/office/drawing/2014/main" id="{3E4275DA-AE8B-1293-426D-22111D5C032F}"/>
               </a:ext>
             </a:extLst>
           </p:cNvPr>
@@ -2868,7 +2868,7 @@
           <p:cNvPr id="4" name="日期占位符 3">
             <a:extLst>
               <a:ext uri="{FF2B5EF4-FFF2-40B4-BE49-F238E27FC236}">
-                <a16:creationId xmlns:a16="http://schemas.microsoft.com/office/drawing/2014/main" id="{4EC59064-DAD2-31B5-E929-319425CFDB0D}"/>
+                <a16:creationId xmlns:a16="http://schemas.microsoft.com/office/drawing/2014/main" id="{8DB6D0F5-E4F4-D112-1021-6C2D3C97D7F0}"/>
               </a:ext>
             </a:extLst>
           </p:cNvPr>
@@ -2902,7 +2902,7 @@
             </a:lvl1pPr>
           </a:lstStyle>
           <a:p>
-            <a:fld id="{A18D354D-E21C-4BB9-AA01-2166C4560B2D}" type="datetimeFigureOut">
+            <a:fld id="{9C3D315E-592E-460F-B967-3B30098348ED}" type="datetimeFigureOut">
               <a:rPr lang="zh-CN" altLang="en-US" smtClean="0"/>
               <a:t>2024/3/10</a:t>
             </a:fld>
@@ -2915,7 +2915,7 @@
           <p:cNvPr id="5" name="页脚占位符 4">
             <a:extLst>
               <a:ext uri="{FF2B5EF4-FFF2-40B4-BE49-F238E27FC236}">
-                <a16:creationId xmlns:a16="http://schemas.microsoft.com/office/drawing/2014/main" id="{89EDE79C-54D0-22DB-3152-A4364ECFDAFE}"/>
+                <a16:creationId xmlns:a16="http://schemas.microsoft.com/office/drawing/2014/main" id="{41B7E191-1A23-2E5C-8432-2F209325DA02}"/>
               </a:ext>
             </a:extLst>
           </p:cNvPr>
@@ -2958,7 +2958,7 @@
           <p:cNvPr id="6" name="灯片编号占位符 5">
             <a:extLst>
               <a:ext uri="{FF2B5EF4-FFF2-40B4-BE49-F238E27FC236}">
-                <a16:creationId xmlns:a16="http://schemas.microsoft.com/office/drawing/2014/main" id="{067FEF61-E3CC-8A04-8FDB-6AFACC6E896D}"/>
+                <a16:creationId xmlns:a16="http://schemas.microsoft.com/office/drawing/2014/main" id="{4E923A00-6121-098B-6517-12D703DB6C3A}"/>
               </a:ext>
             </a:extLst>
           </p:cNvPr>
@@ -2992,7 +2992,7 @@
             </a:lvl1pPr>
           </a:lstStyle>
           <a:p>
-            <a:fld id="{F5CD5A58-224D-424D-8A4A-7D246572A2B8}" type="slidenum">
+            <a:fld id="{EE755A64-356C-4832-8C71-D00108EF92BE}" type="slidenum">
               <a:rPr lang="zh-CN" altLang="en-US" smtClean="0"/>
               <a:t>‹#›</a:t>
             </a:fld>
@@ -3003,7 +3003,7 @@
     </p:spTree>
     <p:extLst>
       <p:ext uri="{BB962C8B-B14F-4D97-AF65-F5344CB8AC3E}">
-        <p14:creationId xmlns:p14="http://schemas.microsoft.com/office/powerpoint/2010/main" val="401755901"/>
+        <p14:creationId xmlns:p14="http://schemas.microsoft.com/office/powerpoint/2010/main" val="3887637139"/>
       </p:ext>
     </p:extLst>
   </p:cSld>
@@ -3323,7 +3323,7 @@
       </p:grpSpPr>
       <p:pic>
         <p:nvPicPr>
-          <p:cNvPr id="840706" name="Picture 2" descr="820"/>
+          <p:cNvPr id="841730" name="Picture 2" descr="821"/>
           <p:cNvPicPr>
             <a:picLocks noChangeAspect="1" noChangeArrowheads="1"/>
           </p:cNvPicPr>
@@ -3375,158 +3375,11 @@
           </a:extLst>
         </p:spPr>
       </p:pic>
-      <p:pic>
-        <p:nvPicPr>
-          <p:cNvPr id="841731" name="Picture 3" descr="820-2"/>
-          <p:cNvPicPr>
-            <a:picLocks noChangeAspect="1" noChangeArrowheads="1"/>
-          </p:cNvPicPr>
-          <p:nvPr/>
-        </p:nvPicPr>
-        <p:blipFill>
-          <a:blip r:embed="rId3">
-            <a:extLst>
-              <a:ext uri="{28A0092B-C50C-407E-A947-70E740481C1C}">
-                <a14:useLocalDpi xmlns:a14="http://schemas.microsoft.com/office/drawing/2010/main" val="0"/>
-              </a:ext>
-            </a:extLst>
-          </a:blip>
-          <a:srcRect/>
-          <a:stretch>
-            <a:fillRect/>
-          </a:stretch>
-        </p:blipFill>
-        <p:spPr bwMode="auto">
-          <a:xfrm>
-            <a:off x="1501776" y="0"/>
-            <a:ext cx="9129713" cy="6858000"/>
-          </a:xfrm>
-          <a:prstGeom prst="rect">
-            <a:avLst/>
-          </a:prstGeom>
-          <a:noFill/>
-          <a:ln>
-            <a:noFill/>
-          </a:ln>
-          <a:effectLst/>
-          <a:extLst>
-            <a:ext uri="{909E8E84-426E-40DD-AFC4-6F175D3DCCD1}">
-              <a14:hiddenFill xmlns:a14="http://schemas.microsoft.com/office/drawing/2010/main">
-                <a:solidFill>
-                  <a:srgbClr val="FFFFFF"/>
-                </a:solidFill>
-              </a14:hiddenFill>
-            </a:ext>
-            <a:ext uri="{91240B29-F687-4F45-9708-019B960494DF}">
-              <a14:hiddenLine xmlns:a14="http://schemas.microsoft.com/office/drawing/2010/main" w="9525">
-                <a:solidFill>
-                  <a:srgbClr val="000000"/>
-                </a:solidFill>
-                <a:miter lim="800000"/>
-                <a:headEnd/>
-                <a:tailEnd/>
-              </a14:hiddenLine>
-            </a:ext>
-            <a:ext uri="{AF507438-7753-43E0-B8FC-AC1667EBCBE1}">
-              <a14:hiddenEffects xmlns:a14="http://schemas.microsoft.com/office/drawing/2010/main">
-                <a:effectLst>
-                  <a:outerShdw dist="35921" dir="2700000" algn="ctr" rotWithShape="0">
-                    <a:srgbClr val="808080"/>
-                  </a:outerShdw>
-                </a:effectLst>
-              </a14:hiddenEffects>
-            </a:ext>
-          </a:extLst>
-        </p:spPr>
-      </p:pic>
     </p:spTree>
   </p:cSld>
   <p:clrMapOvr>
     <a:masterClrMapping/>
   </p:clrMapOvr>
-  <p:timing>
-    <p:tnLst>
-      <p:par>
-        <p:cTn id="1" dur="indefinite" restart="never" nodeType="tmRoot">
-          <p:childTnLst>
-            <p:seq concurrent="1" nextAc="seek">
-              <p:cTn id="2" dur="indefinite" nodeType="mainSeq">
-                <p:childTnLst>
-                  <p:par>
-                    <p:cTn id="3" fill="hold" nodeType="clickPar">
-                      <p:stCondLst>
-                        <p:cond delay="indefinite"/>
-                      </p:stCondLst>
-                      <p:childTnLst>
-                        <p:par>
-                          <p:cTn id="4" fill="hold" nodeType="withGroup">
-                            <p:stCondLst>
-                              <p:cond delay="0"/>
-                            </p:stCondLst>
-                            <p:childTnLst>
-                              <p:par>
-                                <p:cTn id="5" presetID="10" presetClass="entr" presetSubtype="0" fill="hold" nodeType="clickEffect">
-                                  <p:stCondLst>
-                                    <p:cond delay="0"/>
-                                  </p:stCondLst>
-                                  <p:childTnLst>
-                                    <p:set>
-                                      <p:cBhvr>
-                                        <p:cTn id="6" dur="1" fill="hold">
-                                          <p:stCondLst>
-                                            <p:cond delay="0"/>
-                                          </p:stCondLst>
-                                        </p:cTn>
-                                        <p:tgtEl>
-                                          <p:spTgt spid="841731"/>
-                                        </p:tgtEl>
-                                        <p:attrNameLst>
-                                          <p:attrName>style.visibility</p:attrName>
-                                        </p:attrNameLst>
-                                      </p:cBhvr>
-                                      <p:to>
-                                        <p:strVal val="visible"/>
-                                      </p:to>
-                                    </p:set>
-                                    <p:animEffect transition="in" filter="fade">
-                                      <p:cBhvr>
-                                        <p:cTn id="7" dur="500"/>
-                                        <p:tgtEl>
-                                          <p:spTgt spid="841731"/>
-                                        </p:tgtEl>
-                                      </p:cBhvr>
-                                    </p:animEffect>
-                                  </p:childTnLst>
-                                </p:cTn>
-                              </p:par>
-                            </p:childTnLst>
-                          </p:cTn>
-                        </p:par>
-                      </p:childTnLst>
-                    </p:cTn>
-                  </p:par>
-                </p:childTnLst>
-              </p:cTn>
-              <p:prevCondLst>
-                <p:cond evt="onPrev" delay="0">
-                  <p:tgtEl>
-                    <p:sldTgt/>
-                  </p:tgtEl>
-                </p:cond>
-              </p:prevCondLst>
-              <p:nextCondLst>
-                <p:cond evt="onNext" delay="0">
-                  <p:tgtEl>
-                    <p:sldTgt/>
-                  </p:tgtEl>
-                </p:cond>
-              </p:nextCondLst>
-            </p:seq>
-          </p:childTnLst>
-        </p:cTn>
-      </p:par>
-    </p:tnLst>
-  </p:timing>
 </p:sld>
 </file>
 
